--- a/mandalinka/Sites ideas/websites.pptx
+++ b/mandalinka/Sites ideas/websites.pptx
@@ -105,6 +105,11 @@
       </a:defRPr>
     </a:lvl9pPr>
   </p:defaultTextStyle>
+  <p:extLst>
+    <p:ext uri="{EFAFB233-063F-42B5-8137-9DF3F51BA10A}">
+      <p15:sldGuideLst xmlns:p15="http://schemas.microsoft.com/office/powerpoint/2012/main"/>
+    </p:ext>
+  </p:extLst>
 </p:presentation>
 </file>
 
@@ -3424,7 +3429,7 @@
           <a:lstStyle/>
           <a:p>
             <a:pPr algn="ctr"/>
-            <a:endParaRPr lang="sk-SK" sz="3200">
+            <a:endParaRPr lang="sk-SK" sz="3200" dirty="0">
               <a:solidFill>
                 <a:schemeClr val="tx1"/>
               </a:solidFill>
@@ -3495,6 +3500,8 @@
                 <a:solidFill>
                   <a:schemeClr val="tx1"/>
                 </a:solidFill>
+                <a:latin typeface="Baskerville" panose="02020502070401020303" pitchFamily="18" charset="0"/>
+                <a:ea typeface="Baskerville" panose="02020502070401020303" pitchFamily="18" charset="0"/>
                 <a:cs typeface="Times New Roman" panose="02020603050405020304" pitchFamily="18" charset="0"/>
               </a:rPr>
               <a:t>e-mail</a:t>
@@ -3565,6 +3572,8 @@
                 <a:solidFill>
                   <a:schemeClr val="tx1"/>
                 </a:solidFill>
+                <a:latin typeface="Baskerville" panose="02020502070401020303" pitchFamily="18" charset="0"/>
+                <a:ea typeface="Baskerville" panose="02020502070401020303" pitchFamily="18" charset="0"/>
                 <a:cs typeface="Times New Roman" panose="02020603050405020304" pitchFamily="18" charset="0"/>
               </a:rPr>
               <a:t>heslo</a:t>
@@ -3643,6 +3652,8 @@
                 <a:solidFill>
                   <a:schemeClr val="tx1"/>
                 </a:solidFill>
+                <a:latin typeface="Baskerville" panose="02020502070401020303" pitchFamily="18" charset="0"/>
+                <a:ea typeface="Baskerville" panose="02020502070401020303" pitchFamily="18" charset="0"/>
                 <a:cs typeface="Times New Roman" panose="02020603050405020304" pitchFamily="18" charset="0"/>
               </a:rPr>
               <a:t>Zabudol som heslo</a:t>
@@ -3717,10 +3728,12 @@
           <a:p>
             <a:pPr algn="ctr"/>
             <a:r>
-              <a:rPr lang="sk-SK">
+              <a:rPr lang="sk-SK" b="1" dirty="0">
                 <a:solidFill>
                   <a:schemeClr val="tx1"/>
                 </a:solidFill>
+                <a:latin typeface="Baskerville SemiBold" panose="02020502070401020303" pitchFamily="18" charset="0"/>
+                <a:ea typeface="Baskerville SemiBold" panose="02020502070401020303" pitchFamily="18" charset="0"/>
                 <a:cs typeface="Times New Roman" panose="02020603050405020304" pitchFamily="18" charset="0"/>
               </a:rPr>
               <a:t>Prihlásiť sa</a:t>
@@ -3799,6 +3812,8 @@
                 <a:solidFill>
                   <a:schemeClr val="tx1"/>
                 </a:solidFill>
+                <a:latin typeface="Baskerville" panose="02020502070401020303" pitchFamily="18" charset="0"/>
+                <a:ea typeface="Baskerville" panose="02020502070401020303" pitchFamily="18" charset="0"/>
                 <a:cs typeface="Times New Roman" panose="02020603050405020304" pitchFamily="18" charset="0"/>
               </a:rPr>
               <a:t>Ešte nemám účet</a:t>
@@ -3866,7 +3881,14 @@
           <a:p>
             <a:pPr algn="ctr"/>
             <a:r>
-              <a:rPr lang="sk-SK" sz="3600"/>
+              <a:rPr lang="sk-SK" sz="3600" b="1" dirty="0">
+                <a:solidFill>
+                  <a:srgbClr val="1C4700"/>
+                </a:solidFill>
+                <a:latin typeface="Baskerville SemiBold" panose="02020502070401020303" pitchFamily="18" charset="0"/>
+                <a:ea typeface="Baskerville SemiBold" panose="02020502070401020303" pitchFamily="18" charset="0"/>
+                <a:cs typeface="BIG CASLON MEDIUM" panose="02000603090000020003" pitchFamily="2" charset="-79"/>
+              </a:rPr>
               <a:t>Prihláste sa</a:t>
             </a:r>
           </a:p>
@@ -3987,6 +4009,8 @@
               <a:solidFill>
                 <a:schemeClr val="tx1"/>
               </a:solidFill>
+              <a:latin typeface="Baskerville" panose="02020502070401020303" pitchFamily="18" charset="0"/>
+              <a:ea typeface="Baskerville" panose="02020502070401020303" pitchFamily="18" charset="0"/>
             </a:endParaRPr>
           </a:p>
         </p:txBody>
@@ -4054,6 +4078,8 @@
                 <a:solidFill>
                   <a:schemeClr val="tx1"/>
                 </a:solidFill>
+                <a:latin typeface="Baskerville" panose="02020502070401020303" pitchFamily="18" charset="0"/>
+                <a:ea typeface="Baskerville" panose="02020502070401020303" pitchFamily="18" charset="0"/>
                 <a:cs typeface="Times New Roman" panose="02020603050405020304" pitchFamily="18" charset="0"/>
               </a:rPr>
               <a:t>Meno</a:t>
@@ -4124,6 +4150,8 @@
                 <a:solidFill>
                   <a:schemeClr val="tx1"/>
                 </a:solidFill>
+                <a:latin typeface="Baskerville" panose="02020502070401020303" pitchFamily="18" charset="0"/>
+                <a:ea typeface="Baskerville" panose="02020502070401020303" pitchFamily="18" charset="0"/>
                 <a:cs typeface="Times New Roman" panose="02020603050405020304" pitchFamily="18" charset="0"/>
               </a:rPr>
               <a:t>e-mail</a:t>
@@ -4198,10 +4226,12 @@
           <a:p>
             <a:pPr algn="ctr"/>
             <a:r>
-              <a:rPr lang="sk-SK" dirty="0">
+              <a:rPr lang="sk-SK" b="1" dirty="0">
                 <a:solidFill>
                   <a:schemeClr val="tx1"/>
                 </a:solidFill>
+                <a:latin typeface="Baskerville SemiBold" panose="02020502070401020303" pitchFamily="18" charset="0"/>
+                <a:ea typeface="Baskerville SemiBold" panose="02020502070401020303" pitchFamily="18" charset="0"/>
                 <a:cs typeface="Times New Roman" panose="02020603050405020304" pitchFamily="18" charset="0"/>
               </a:rPr>
               <a:t>Zaregistrovať sa</a:t>
@@ -4269,7 +4299,10 @@
           <a:p>
             <a:pPr algn="ctr"/>
             <a:r>
-              <a:rPr lang="sk-SK" sz="3600" dirty="0"/>
+              <a:rPr lang="sk-SK" sz="3600" b="1" dirty="0">
+                <a:latin typeface="Baskerville SemiBold" panose="02020502070401020303" pitchFamily="18" charset="0"/>
+                <a:ea typeface="Baskerville SemiBold" panose="02020502070401020303" pitchFamily="18" charset="0"/>
+              </a:rPr>
               <a:t>Zaregistrujte sa</a:t>
             </a:r>
           </a:p>
@@ -4338,6 +4371,8 @@
                 <a:solidFill>
                   <a:schemeClr val="tx1"/>
                 </a:solidFill>
+                <a:latin typeface="Baskerville" panose="02020502070401020303" pitchFamily="18" charset="0"/>
+                <a:ea typeface="Baskerville" panose="02020502070401020303" pitchFamily="18" charset="0"/>
                 <a:cs typeface="Times New Roman" panose="02020603050405020304" pitchFamily="18" charset="0"/>
               </a:rPr>
               <a:t>Priezvisko</a:t>

--- a/mandalinka/Sites ideas/websites.pptx
+++ b/mandalinka/Sites ideas/websites.pptx
@@ -3378,7 +3378,7 @@
         </p:nvSpPr>
         <p:spPr>
           <a:xfrm>
-            <a:off x="2785312" y="1094704"/>
+            <a:off x="3145920" y="1094704"/>
             <a:ext cx="6333288" cy="4668592"/>
           </a:xfrm>
           <a:prstGeom prst="roundRect">
@@ -3808,7 +3808,7 @@
           <a:p>
             <a:pPr algn="ctr"/>
             <a:r>
-              <a:rPr lang="sk-SK">
+              <a:rPr lang="sk-SK" dirty="0">
                 <a:solidFill>
                   <a:schemeClr val="tx1"/>
                 </a:solidFill>
